--- a/project/jason/ppt.pptx
+++ b/project/jason/ppt.pptx
@@ -15,12 +15,12 @@
     <p:sldId id="261" r:id="rId6"/>
     <p:sldId id="262" r:id="rId7"/>
     <p:sldId id="263" r:id="rId8"/>
-    <p:sldId id="264" r:id="rId9"/>
-    <p:sldId id="265" r:id="rId10"/>
-    <p:sldId id="266" r:id="rId11"/>
-    <p:sldId id="267" r:id="rId12"/>
-    <p:sldId id="268" r:id="rId13"/>
-    <p:sldId id="269" r:id="rId14"/>
+    <p:sldId id="270" r:id="rId9"/>
+    <p:sldId id="271" r:id="rId10"/>
+    <p:sldId id="272" r:id="rId11"/>
+    <p:sldId id="273" r:id="rId12"/>
+    <p:sldId id="274" r:id="rId13"/>
+    <p:sldId id="275" r:id="rId14"/>
   </p:sldIdLst>
   <p:sldSz cx="13004800" cy="9753600"/>
   <p:notesSz cx="6858000" cy="9144000"/>
@@ -562,37 +562,280 @@
           <a:bodyPr/>
           <a:lstStyle/>
           <a:p>
-            <a:pPr marL="0" marR="0" indent="0" defTabSz="457200" eaLnBrk="1" fontAlgn="auto" latinLnBrk="0" hangingPunct="1">
-              <a:lnSpc>
-                <a:spcPct val="117999"/>
-              </a:lnSpc>
-              <a:spcBef>
-                <a:spcPts val="0"/>
-              </a:spcBef>
-              <a:spcAft>
-                <a:spcPts val="0"/>
-              </a:spcAft>
-              <a:buClrTx/>
-              <a:buSzTx/>
-              <a:buFontTx/>
-              <a:buNone/>
-              <a:tabLst/>
-              <a:defRPr/>
-            </a:pPr>
-            <a:r>
-              <a:rPr lang="en-US" altLang="zh-TW" dirty="0" smtClean="0"/>
-              <a:t>Delay is a Time-Based effect that sends a duplicate version of the instrument signal to the amp with an adjustable time delay creating the illusion of an echo. Time based effects should be placed near the end of the signal path for the most natural sounding results.</a:t>
-            </a:r>
-          </a:p>
-          <a:p>
-            <a:endParaRPr lang="zh-TW" altLang="en-US" dirty="0"/>
+            <a:endParaRPr lang="zh-TW" altLang="en-US"/>
           </a:p>
         </p:txBody>
       </p:sp>
     </p:spTree>
     <p:extLst>
       <p:ext uri="{BB962C8B-B14F-4D97-AF65-F5344CB8AC3E}">
-        <p14:creationId xmlns:p14="http://schemas.microsoft.com/office/powerpoint/2010/main" val="1925293758"/>
+        <p14:creationId xmlns:p14="http://schemas.microsoft.com/office/powerpoint/2010/main" val="2764276560"/>
+      </p:ext>
+    </p:extLst>
+  </p:cSld>
+  <p:clrMapOvr>
+    <a:masterClrMapping/>
+  </p:clrMapOvr>
+</p:notes>
+</file>
+
+<file path=ppt/notesSlides/notesSlide10.xml><?xml version="1.0" encoding="utf-8"?>
+<p:notes xmlns:a="http://schemas.openxmlformats.org/drawingml/2006/main" xmlns:r="http://schemas.openxmlformats.org/officeDocument/2006/relationships" xmlns:p="http://schemas.openxmlformats.org/presentationml/2006/main">
+  <p:cSld>
+    <p:spTree>
+      <p:nvGrpSpPr>
+        <p:cNvPr id="1" name=""/>
+        <p:cNvGrpSpPr/>
+        <p:nvPr/>
+      </p:nvGrpSpPr>
+      <p:grpSpPr>
+        <a:xfrm>
+          <a:off x="0" y="0"/>
+          <a:ext cx="0" cy="0"/>
+          <a:chOff x="0" y="0"/>
+          <a:chExt cx="0" cy="0"/>
+        </a:xfrm>
+      </p:grpSpPr>
+      <p:sp>
+        <p:nvSpPr>
+          <p:cNvPr id="188" name="Shape 188"/>
+          <p:cNvSpPr>
+            <a:spLocks noGrp="1" noRot="1" noChangeAspect="1"/>
+          </p:cNvSpPr>
+          <p:nvPr>
+            <p:ph type="sldImg"/>
+          </p:nvPr>
+        </p:nvSpPr>
+        <p:spPr>
+          <a:prstGeom prst="rect">
+            <a:avLst/>
+          </a:prstGeom>
+        </p:spPr>
+        <p:txBody>
+          <a:bodyPr/>
+          <a:lstStyle/>
+          <a:p>
+            <a:endParaRPr/>
+          </a:p>
+        </p:txBody>
+      </p:sp>
+      <p:sp>
+        <p:nvSpPr>
+          <p:cNvPr id="189" name="Shape 189"/>
+          <p:cNvSpPr>
+            <a:spLocks noGrp="1"/>
+          </p:cNvSpPr>
+          <p:nvPr>
+            <p:ph type="body" sz="quarter" idx="1"/>
+          </p:nvPr>
+        </p:nvSpPr>
+        <p:spPr>
+          <a:prstGeom prst="rect">
+            <a:avLst/>
+          </a:prstGeom>
+        </p:spPr>
+        <p:txBody>
+          <a:bodyPr/>
+          <a:lstStyle/>
+          <a:p>
+            <a:r>
+              <a:t>The Wah pedal is a filter effect (Band-pass filter) that produces a vowel like sound by altering the frequency spectrum of an instruments signal. As a “gas pedal” type foot pedal is tilted a volume boost sweeps through the frequency range. </a:t>
+            </a:r>
+          </a:p>
+          <a:p>
+            <a:r>
+              <a:t>In our design, we sweep central frequency of the filter automatically like we tilt the pedal back and forth</a:t>
+            </a:r>
+          </a:p>
+        </p:txBody>
+      </p:sp>
+    </p:spTree>
+    <p:extLst>
+      <p:ext uri="{BB962C8B-B14F-4D97-AF65-F5344CB8AC3E}">
+        <p14:creationId xmlns:p14="http://schemas.microsoft.com/office/powerpoint/2010/main" val="2144094390"/>
+      </p:ext>
+    </p:extLst>
+  </p:cSld>
+  <p:clrMapOvr>
+    <a:masterClrMapping/>
+  </p:clrMapOvr>
+</p:notes>
+</file>
+
+<file path=ppt/notesSlides/notesSlide11.xml><?xml version="1.0" encoding="utf-8"?>
+<p:notes xmlns:a="http://schemas.openxmlformats.org/drawingml/2006/main" xmlns:r="http://schemas.openxmlformats.org/officeDocument/2006/relationships" xmlns:p="http://schemas.openxmlformats.org/presentationml/2006/main">
+  <p:cSld>
+    <p:spTree>
+      <p:nvGrpSpPr>
+        <p:cNvPr id="1" name=""/>
+        <p:cNvGrpSpPr/>
+        <p:nvPr/>
+      </p:nvGrpSpPr>
+      <p:grpSpPr>
+        <a:xfrm>
+          <a:off x="0" y="0"/>
+          <a:ext cx="0" cy="0"/>
+          <a:chOff x="0" y="0"/>
+          <a:chExt cx="0" cy="0"/>
+        </a:xfrm>
+      </p:grpSpPr>
+      <p:sp>
+        <p:nvSpPr>
+          <p:cNvPr id="2" name="投影片圖像版面配置區 1"/>
+          <p:cNvSpPr>
+            <a:spLocks noGrp="1" noRot="1" noChangeAspect="1"/>
+          </p:cNvSpPr>
+          <p:nvPr>
+            <p:ph type="sldImg"/>
+          </p:nvPr>
+        </p:nvSpPr>
+        <p:spPr/>
+      </p:sp>
+      <p:sp>
+        <p:nvSpPr>
+          <p:cNvPr id="3" name="備忘稿版面配置區 2"/>
+          <p:cNvSpPr>
+            <a:spLocks noGrp="1"/>
+          </p:cNvSpPr>
+          <p:nvPr>
+            <p:ph type="body" idx="1"/>
+          </p:nvPr>
+        </p:nvSpPr>
+        <p:spPr/>
+        <p:txBody>
+          <a:bodyPr/>
+          <a:lstStyle/>
+          <a:p>
+            <a:endParaRPr lang="zh-TW" altLang="en-US"/>
+          </a:p>
+        </p:txBody>
+      </p:sp>
+    </p:spTree>
+    <p:extLst>
+      <p:ext uri="{BB962C8B-B14F-4D97-AF65-F5344CB8AC3E}">
+        <p14:creationId xmlns:p14="http://schemas.microsoft.com/office/powerpoint/2010/main" val="3064137704"/>
+      </p:ext>
+    </p:extLst>
+  </p:cSld>
+  <p:clrMapOvr>
+    <a:masterClrMapping/>
+  </p:clrMapOvr>
+</p:notes>
+</file>
+
+<file path=ppt/notesSlides/notesSlide12.xml><?xml version="1.0" encoding="utf-8"?>
+<p:notes xmlns:a="http://schemas.openxmlformats.org/drawingml/2006/main" xmlns:r="http://schemas.openxmlformats.org/officeDocument/2006/relationships" xmlns:p="http://schemas.openxmlformats.org/presentationml/2006/main">
+  <p:cSld>
+    <p:spTree>
+      <p:nvGrpSpPr>
+        <p:cNvPr id="1" name=""/>
+        <p:cNvGrpSpPr/>
+        <p:nvPr/>
+      </p:nvGrpSpPr>
+      <p:grpSpPr>
+        <a:xfrm>
+          <a:off x="0" y="0"/>
+          <a:ext cx="0" cy="0"/>
+          <a:chOff x="0" y="0"/>
+          <a:chExt cx="0" cy="0"/>
+        </a:xfrm>
+      </p:grpSpPr>
+      <p:sp>
+        <p:nvSpPr>
+          <p:cNvPr id="2" name="投影片圖像版面配置區 1"/>
+          <p:cNvSpPr>
+            <a:spLocks noGrp="1" noRot="1" noChangeAspect="1"/>
+          </p:cNvSpPr>
+          <p:nvPr>
+            <p:ph type="sldImg"/>
+          </p:nvPr>
+        </p:nvSpPr>
+        <p:spPr/>
+      </p:sp>
+      <p:sp>
+        <p:nvSpPr>
+          <p:cNvPr id="3" name="備忘稿版面配置區 2"/>
+          <p:cNvSpPr>
+            <a:spLocks noGrp="1"/>
+          </p:cNvSpPr>
+          <p:nvPr>
+            <p:ph type="body" idx="1"/>
+          </p:nvPr>
+        </p:nvSpPr>
+        <p:spPr/>
+        <p:txBody>
+          <a:bodyPr/>
+          <a:lstStyle/>
+          <a:p>
+            <a:endParaRPr lang="zh-TW" altLang="en-US"/>
+          </a:p>
+        </p:txBody>
+      </p:sp>
+    </p:spTree>
+    <p:extLst>
+      <p:ext uri="{BB962C8B-B14F-4D97-AF65-F5344CB8AC3E}">
+        <p14:creationId xmlns:p14="http://schemas.microsoft.com/office/powerpoint/2010/main" val="3600047534"/>
+      </p:ext>
+    </p:extLst>
+  </p:cSld>
+  <p:clrMapOvr>
+    <a:masterClrMapping/>
+  </p:clrMapOvr>
+</p:notes>
+</file>
+
+<file path=ppt/notesSlides/notesSlide13.xml><?xml version="1.0" encoding="utf-8"?>
+<p:notes xmlns:a="http://schemas.openxmlformats.org/drawingml/2006/main" xmlns:r="http://schemas.openxmlformats.org/officeDocument/2006/relationships" xmlns:p="http://schemas.openxmlformats.org/presentationml/2006/main">
+  <p:cSld>
+    <p:spTree>
+      <p:nvGrpSpPr>
+        <p:cNvPr id="1" name=""/>
+        <p:cNvGrpSpPr/>
+        <p:nvPr/>
+      </p:nvGrpSpPr>
+      <p:grpSpPr>
+        <a:xfrm>
+          <a:off x="0" y="0"/>
+          <a:ext cx="0" cy="0"/>
+          <a:chOff x="0" y="0"/>
+          <a:chExt cx="0" cy="0"/>
+        </a:xfrm>
+      </p:grpSpPr>
+      <p:sp>
+        <p:nvSpPr>
+          <p:cNvPr id="2" name="投影片圖像版面配置區 1"/>
+          <p:cNvSpPr>
+            <a:spLocks noGrp="1" noRot="1" noChangeAspect="1"/>
+          </p:cNvSpPr>
+          <p:nvPr>
+            <p:ph type="sldImg"/>
+          </p:nvPr>
+        </p:nvSpPr>
+        <p:spPr/>
+      </p:sp>
+      <p:sp>
+        <p:nvSpPr>
+          <p:cNvPr id="3" name="備忘稿版面配置區 2"/>
+          <p:cNvSpPr>
+            <a:spLocks noGrp="1"/>
+          </p:cNvSpPr>
+          <p:nvPr>
+            <p:ph type="body" idx="1"/>
+          </p:nvPr>
+        </p:nvSpPr>
+        <p:spPr/>
+        <p:txBody>
+          <a:bodyPr/>
+          <a:lstStyle/>
+          <a:p>
+            <a:endParaRPr lang="zh-TW" altLang="en-US"/>
+          </a:p>
+        </p:txBody>
+      </p:sp>
+    </p:spTree>
+    <p:extLst>
+      <p:ext uri="{BB962C8B-B14F-4D97-AF65-F5344CB8AC3E}">
+        <p14:creationId xmlns:p14="http://schemas.microsoft.com/office/powerpoint/2010/main" val="242313915"/>
       </p:ext>
     </p:extLst>
   </p:cSld>
@@ -648,10 +891,28 @@
           <a:p>
             <a:r>
               <a:rPr lang="en-US" altLang="zh-TW" dirty="0" smtClean="0"/>
-              <a:t>Distortion, overdrive, gain, and fuzz pedals create a warm, gritty sound by clipping the guitar’s audio signal and adding overtones. Distortion and fuzz effects produce the same amount of distortion at any volume while overdrive and gain effects are produce “clean” sounds at quieter volumes and distorted sounds at louder volumes mimicking the effect of a tube amp.</a:t>
-            </a:r>
-          </a:p>
-          <a:p>
+              <a:t>Subtly: </a:t>
+            </a:r>
+            <a:r>
+              <a:rPr lang="en-US" altLang="zh-TW" sz="2200" b="0" i="0" dirty="0" smtClean="0">
+                <a:effectLst/>
+                <a:latin typeface="Helvetica Neue"/>
+                <a:ea typeface="Helvetica Neue"/>
+                <a:cs typeface="Helvetica Neue"/>
+                <a:sym typeface="Helvetica Neue"/>
+              </a:rPr>
+              <a:t>fine or delicate in meaning or intent; difficult to perceive </a:t>
+            </a:r>
+            <a:r>
+              <a:rPr lang="en-US" altLang="zh-TW" sz="2200" b="0" i="0" dirty="0" err="1" smtClean="0">
+                <a:effectLst/>
+                <a:latin typeface="Helvetica Neue"/>
+                <a:ea typeface="Helvetica Neue"/>
+                <a:cs typeface="Helvetica Neue"/>
+                <a:sym typeface="Helvetica Neue"/>
+              </a:rPr>
+              <a:t>orunderstand</a:t>
+            </a:r>
             <a:endParaRPr lang="zh-TW" altLang="en-US" dirty="0"/>
           </a:p>
         </p:txBody>
@@ -659,7 +920,7 @@
     </p:spTree>
     <p:extLst>
       <p:ext uri="{BB962C8B-B14F-4D97-AF65-F5344CB8AC3E}">
-        <p14:creationId xmlns:p14="http://schemas.microsoft.com/office/powerpoint/2010/main" val="690924322"/>
+        <p14:creationId xmlns:p14="http://schemas.microsoft.com/office/powerpoint/2010/main" val="1540035221"/>
       </p:ext>
     </p:extLst>
   </p:cSld>
@@ -713,34 +974,420 @@
           <a:bodyPr/>
           <a:lstStyle/>
           <a:p>
-            <a:r>
-              <a:rPr lang="en-US" altLang="zh-TW" dirty="0" smtClean="0"/>
-              <a:t>The </a:t>
-            </a:r>
-            <a:r>
-              <a:rPr lang="en-US" altLang="zh-TW" dirty="0" err="1" smtClean="0"/>
-              <a:t>Wah</a:t>
-            </a:r>
-            <a:r>
-              <a:rPr lang="en-US" altLang="zh-TW" dirty="0" smtClean="0"/>
-              <a:t> pedal is a filter effect (Band-pass filter) that produces a vowel like sound by altering the frequency spectrum of an instruments signal. As a “gas pedal” type foot pedal is tilted a volume boost sweeps through the frequency range. </a:t>
-            </a:r>
-          </a:p>
-          <a:p>
-            <a:r>
-              <a:rPr lang="en-US" altLang="zh-TW" dirty="0" smtClean="0"/>
-              <a:t>In our design, we sweep central frequency of the filter automatically like we tilt the pedal back and forth</a:t>
-            </a:r>
-          </a:p>
-          <a:p>
-            <a:endParaRPr lang="zh-TW" altLang="en-US" dirty="0"/>
+            <a:endParaRPr lang="zh-TW" altLang="en-US"/>
           </a:p>
         </p:txBody>
       </p:sp>
     </p:spTree>
     <p:extLst>
       <p:ext uri="{BB962C8B-B14F-4D97-AF65-F5344CB8AC3E}">
-        <p14:creationId xmlns:p14="http://schemas.microsoft.com/office/powerpoint/2010/main" val="4002066423"/>
+        <p14:creationId xmlns:p14="http://schemas.microsoft.com/office/powerpoint/2010/main" val="2869381683"/>
+      </p:ext>
+    </p:extLst>
+  </p:cSld>
+  <p:clrMapOvr>
+    <a:masterClrMapping/>
+  </p:clrMapOvr>
+</p:notes>
+</file>
+
+<file path=ppt/notesSlides/notesSlide4.xml><?xml version="1.0" encoding="utf-8"?>
+<p:notes xmlns:a="http://schemas.openxmlformats.org/drawingml/2006/main" xmlns:r="http://schemas.openxmlformats.org/officeDocument/2006/relationships" xmlns:p="http://schemas.openxmlformats.org/presentationml/2006/main">
+  <p:cSld>
+    <p:spTree>
+      <p:nvGrpSpPr>
+        <p:cNvPr id="1" name=""/>
+        <p:cNvGrpSpPr/>
+        <p:nvPr/>
+      </p:nvGrpSpPr>
+      <p:grpSpPr>
+        <a:xfrm>
+          <a:off x="0" y="0"/>
+          <a:ext cx="0" cy="0"/>
+          <a:chOff x="0" y="0"/>
+          <a:chExt cx="0" cy="0"/>
+        </a:xfrm>
+      </p:grpSpPr>
+      <p:sp>
+        <p:nvSpPr>
+          <p:cNvPr id="2" name="投影片圖像版面配置區 1"/>
+          <p:cNvSpPr>
+            <a:spLocks noGrp="1" noRot="1" noChangeAspect="1"/>
+          </p:cNvSpPr>
+          <p:nvPr>
+            <p:ph type="sldImg"/>
+          </p:nvPr>
+        </p:nvSpPr>
+        <p:spPr/>
+      </p:sp>
+      <p:sp>
+        <p:nvSpPr>
+          <p:cNvPr id="3" name="備忘稿版面配置區 2"/>
+          <p:cNvSpPr>
+            <a:spLocks noGrp="1"/>
+          </p:cNvSpPr>
+          <p:nvPr>
+            <p:ph type="body" idx="1"/>
+          </p:nvPr>
+        </p:nvSpPr>
+        <p:spPr/>
+        <p:txBody>
+          <a:bodyPr/>
+          <a:lstStyle/>
+          <a:p>
+            <a:pPr marL="0" marR="0" indent="0" defTabSz="457200" eaLnBrk="1" fontAlgn="auto" latinLnBrk="0" hangingPunct="1">
+              <a:lnSpc>
+                <a:spcPct val="117999"/>
+              </a:lnSpc>
+              <a:spcBef>
+                <a:spcPts val="0"/>
+              </a:spcBef>
+              <a:spcAft>
+                <a:spcPts val="0"/>
+              </a:spcAft>
+              <a:buClrTx/>
+              <a:buSzTx/>
+              <a:buFontTx/>
+              <a:buNone/>
+              <a:tabLst/>
+              <a:defRPr/>
+            </a:pPr>
+            <a:r>
+              <a:rPr lang="en-US" altLang="zh-TW" dirty="0" smtClean="0"/>
+              <a:t>Delay is a Time-Based effect that sends a duplicate version of the instrument signal to the amp with an adjustable time delay creating the illusion of an echo. Time based effects should be placed near the end of the signal path for the most natural sounding results.</a:t>
+            </a:r>
+          </a:p>
+          <a:p>
+            <a:endParaRPr lang="zh-TW" altLang="en-US" dirty="0"/>
+          </a:p>
+        </p:txBody>
+      </p:sp>
+    </p:spTree>
+    <p:extLst>
+      <p:ext uri="{BB962C8B-B14F-4D97-AF65-F5344CB8AC3E}">
+        <p14:creationId xmlns:p14="http://schemas.microsoft.com/office/powerpoint/2010/main" val="1925293758"/>
+      </p:ext>
+    </p:extLst>
+  </p:cSld>
+  <p:clrMapOvr>
+    <a:masterClrMapping/>
+  </p:clrMapOvr>
+</p:notes>
+</file>
+
+<file path=ppt/notesSlides/notesSlide5.xml><?xml version="1.0" encoding="utf-8"?>
+<p:notes xmlns:a="http://schemas.openxmlformats.org/drawingml/2006/main" xmlns:r="http://schemas.openxmlformats.org/officeDocument/2006/relationships" xmlns:p="http://schemas.openxmlformats.org/presentationml/2006/main">
+  <p:cSld>
+    <p:spTree>
+      <p:nvGrpSpPr>
+        <p:cNvPr id="1" name=""/>
+        <p:cNvGrpSpPr/>
+        <p:nvPr/>
+      </p:nvGrpSpPr>
+      <p:grpSpPr>
+        <a:xfrm>
+          <a:off x="0" y="0"/>
+          <a:ext cx="0" cy="0"/>
+          <a:chOff x="0" y="0"/>
+          <a:chExt cx="0" cy="0"/>
+        </a:xfrm>
+      </p:grpSpPr>
+      <p:sp>
+        <p:nvSpPr>
+          <p:cNvPr id="2" name="投影片圖像版面配置區 1"/>
+          <p:cNvSpPr>
+            <a:spLocks noGrp="1" noRot="1" noChangeAspect="1"/>
+          </p:cNvSpPr>
+          <p:nvPr>
+            <p:ph type="sldImg"/>
+          </p:nvPr>
+        </p:nvSpPr>
+        <p:spPr/>
+      </p:sp>
+      <p:sp>
+        <p:nvSpPr>
+          <p:cNvPr id="3" name="備忘稿版面配置區 2"/>
+          <p:cNvSpPr>
+            <a:spLocks noGrp="1"/>
+          </p:cNvSpPr>
+          <p:nvPr>
+            <p:ph type="body" idx="1"/>
+          </p:nvPr>
+        </p:nvSpPr>
+        <p:spPr/>
+        <p:txBody>
+          <a:bodyPr/>
+          <a:lstStyle/>
+          <a:p>
+            <a:endParaRPr lang="zh-TW" altLang="en-US"/>
+          </a:p>
+        </p:txBody>
+      </p:sp>
+    </p:spTree>
+    <p:extLst>
+      <p:ext uri="{BB962C8B-B14F-4D97-AF65-F5344CB8AC3E}">
+        <p14:creationId xmlns:p14="http://schemas.microsoft.com/office/powerpoint/2010/main" val="730417205"/>
+      </p:ext>
+    </p:extLst>
+  </p:cSld>
+  <p:clrMapOvr>
+    <a:masterClrMapping/>
+  </p:clrMapOvr>
+</p:notes>
+</file>
+
+<file path=ppt/notesSlides/notesSlide6.xml><?xml version="1.0" encoding="utf-8"?>
+<p:notes xmlns:a="http://schemas.openxmlformats.org/drawingml/2006/main" xmlns:r="http://schemas.openxmlformats.org/officeDocument/2006/relationships" xmlns:p="http://schemas.openxmlformats.org/presentationml/2006/main">
+  <p:cSld>
+    <p:spTree>
+      <p:nvGrpSpPr>
+        <p:cNvPr id="1" name=""/>
+        <p:cNvGrpSpPr/>
+        <p:nvPr/>
+      </p:nvGrpSpPr>
+      <p:grpSpPr>
+        <a:xfrm>
+          <a:off x="0" y="0"/>
+          <a:ext cx="0" cy="0"/>
+          <a:chOff x="0" y="0"/>
+          <a:chExt cx="0" cy="0"/>
+        </a:xfrm>
+      </p:grpSpPr>
+      <p:sp>
+        <p:nvSpPr>
+          <p:cNvPr id="2" name="投影片圖像版面配置區 1"/>
+          <p:cNvSpPr>
+            <a:spLocks noGrp="1" noRot="1" noChangeAspect="1"/>
+          </p:cNvSpPr>
+          <p:nvPr>
+            <p:ph type="sldImg"/>
+          </p:nvPr>
+        </p:nvSpPr>
+        <p:spPr/>
+      </p:sp>
+      <p:sp>
+        <p:nvSpPr>
+          <p:cNvPr id="3" name="備忘稿版面配置區 2"/>
+          <p:cNvSpPr>
+            <a:spLocks noGrp="1"/>
+          </p:cNvSpPr>
+          <p:nvPr>
+            <p:ph type="body" idx="1"/>
+          </p:nvPr>
+        </p:nvSpPr>
+        <p:spPr/>
+        <p:txBody>
+          <a:bodyPr/>
+          <a:lstStyle/>
+          <a:p>
+            <a:endParaRPr lang="zh-TW" altLang="en-US"/>
+          </a:p>
+        </p:txBody>
+      </p:sp>
+    </p:spTree>
+    <p:extLst>
+      <p:ext uri="{BB962C8B-B14F-4D97-AF65-F5344CB8AC3E}">
+        <p14:creationId xmlns:p14="http://schemas.microsoft.com/office/powerpoint/2010/main" val="1163553760"/>
+      </p:ext>
+    </p:extLst>
+  </p:cSld>
+  <p:clrMapOvr>
+    <a:masterClrMapping/>
+  </p:clrMapOvr>
+</p:notes>
+</file>
+
+<file path=ppt/notesSlides/notesSlide7.xml><?xml version="1.0" encoding="utf-8"?>
+<p:notes xmlns:a="http://schemas.openxmlformats.org/drawingml/2006/main" xmlns:r="http://schemas.openxmlformats.org/officeDocument/2006/relationships" xmlns:p="http://schemas.openxmlformats.org/presentationml/2006/main">
+  <p:cSld>
+    <p:spTree>
+      <p:nvGrpSpPr>
+        <p:cNvPr id="1" name=""/>
+        <p:cNvGrpSpPr/>
+        <p:nvPr/>
+      </p:nvGrpSpPr>
+      <p:grpSpPr>
+        <a:xfrm>
+          <a:off x="0" y="0"/>
+          <a:ext cx="0" cy="0"/>
+          <a:chOff x="0" y="0"/>
+          <a:chExt cx="0" cy="0"/>
+        </a:xfrm>
+      </p:grpSpPr>
+      <p:sp>
+        <p:nvSpPr>
+          <p:cNvPr id="2" name="投影片圖像版面配置區 1"/>
+          <p:cNvSpPr>
+            <a:spLocks noGrp="1" noRot="1" noChangeAspect="1"/>
+          </p:cNvSpPr>
+          <p:nvPr>
+            <p:ph type="sldImg"/>
+          </p:nvPr>
+        </p:nvSpPr>
+        <p:spPr/>
+      </p:sp>
+      <p:sp>
+        <p:nvSpPr>
+          <p:cNvPr id="3" name="備忘稿版面配置區 2"/>
+          <p:cNvSpPr>
+            <a:spLocks noGrp="1"/>
+          </p:cNvSpPr>
+          <p:nvPr>
+            <p:ph type="body" idx="1"/>
+          </p:nvPr>
+        </p:nvSpPr>
+        <p:spPr/>
+        <p:txBody>
+          <a:bodyPr/>
+          <a:lstStyle/>
+          <a:p>
+            <a:endParaRPr lang="zh-TW" altLang="en-US"/>
+          </a:p>
+        </p:txBody>
+      </p:sp>
+    </p:spTree>
+    <p:extLst>
+      <p:ext uri="{BB962C8B-B14F-4D97-AF65-F5344CB8AC3E}">
+        <p14:creationId xmlns:p14="http://schemas.microsoft.com/office/powerpoint/2010/main" val="3193760578"/>
+      </p:ext>
+    </p:extLst>
+  </p:cSld>
+  <p:clrMapOvr>
+    <a:masterClrMapping/>
+  </p:clrMapOvr>
+</p:notes>
+</file>
+
+<file path=ppt/notesSlides/notesSlide8.xml><?xml version="1.0" encoding="utf-8"?>
+<p:notes xmlns:a="http://schemas.openxmlformats.org/drawingml/2006/main" xmlns:r="http://schemas.openxmlformats.org/officeDocument/2006/relationships" xmlns:p="http://schemas.openxmlformats.org/presentationml/2006/main">
+  <p:cSld>
+    <p:spTree>
+      <p:nvGrpSpPr>
+        <p:cNvPr id="1" name=""/>
+        <p:cNvGrpSpPr/>
+        <p:nvPr/>
+      </p:nvGrpSpPr>
+      <p:grpSpPr>
+        <a:xfrm>
+          <a:off x="0" y="0"/>
+          <a:ext cx="0" cy="0"/>
+          <a:chOff x="0" y="0"/>
+          <a:chExt cx="0" cy="0"/>
+        </a:xfrm>
+      </p:grpSpPr>
+      <p:sp>
+        <p:nvSpPr>
+          <p:cNvPr id="179" name="Shape 179"/>
+          <p:cNvSpPr>
+            <a:spLocks noGrp="1" noRot="1" noChangeAspect="1"/>
+          </p:cNvSpPr>
+          <p:nvPr>
+            <p:ph type="sldImg"/>
+          </p:nvPr>
+        </p:nvSpPr>
+        <p:spPr>
+          <a:prstGeom prst="rect">
+            <a:avLst/>
+          </a:prstGeom>
+        </p:spPr>
+        <p:txBody>
+          <a:bodyPr/>
+          <a:lstStyle/>
+          <a:p>
+            <a:endParaRPr/>
+          </a:p>
+        </p:txBody>
+      </p:sp>
+      <p:sp>
+        <p:nvSpPr>
+          <p:cNvPr id="180" name="Shape 180"/>
+          <p:cNvSpPr>
+            <a:spLocks noGrp="1"/>
+          </p:cNvSpPr>
+          <p:nvPr>
+            <p:ph type="body" sz="quarter" idx="1"/>
+          </p:nvPr>
+        </p:nvSpPr>
+        <p:spPr>
+          <a:prstGeom prst="rect">
+            <a:avLst/>
+          </a:prstGeom>
+        </p:spPr>
+        <p:txBody>
+          <a:bodyPr/>
+          <a:lstStyle/>
+          <a:p>
+            <a:r>
+              <a:t>Distortion, overdrive, gain, and fuzz pedals create a warm, gritty sound by clipping the guitar’s audio signal and adding overtones. Distortion and fuzz effects produce the same amount of distortion at any volume while overdrive and gain effects are produce “clean” sounds at quieter volumes and distorted sounds at louder volumes mimicking the effect of a tube amp.</a:t>
+            </a:r>
+          </a:p>
+        </p:txBody>
+      </p:sp>
+    </p:spTree>
+    <p:extLst>
+      <p:ext uri="{BB962C8B-B14F-4D97-AF65-F5344CB8AC3E}">
+        <p14:creationId xmlns:p14="http://schemas.microsoft.com/office/powerpoint/2010/main" val="3304602051"/>
+      </p:ext>
+    </p:extLst>
+  </p:cSld>
+  <p:clrMapOvr>
+    <a:masterClrMapping/>
+  </p:clrMapOvr>
+</p:notes>
+</file>
+
+<file path=ppt/notesSlides/notesSlide9.xml><?xml version="1.0" encoding="utf-8"?>
+<p:notes xmlns:a="http://schemas.openxmlformats.org/drawingml/2006/main" xmlns:r="http://schemas.openxmlformats.org/officeDocument/2006/relationships" xmlns:p="http://schemas.openxmlformats.org/presentationml/2006/main">
+  <p:cSld>
+    <p:spTree>
+      <p:nvGrpSpPr>
+        <p:cNvPr id="1" name=""/>
+        <p:cNvGrpSpPr/>
+        <p:nvPr/>
+      </p:nvGrpSpPr>
+      <p:grpSpPr>
+        <a:xfrm>
+          <a:off x="0" y="0"/>
+          <a:ext cx="0" cy="0"/>
+          <a:chOff x="0" y="0"/>
+          <a:chExt cx="0" cy="0"/>
+        </a:xfrm>
+      </p:grpSpPr>
+      <p:sp>
+        <p:nvSpPr>
+          <p:cNvPr id="2" name="投影片圖像版面配置區 1"/>
+          <p:cNvSpPr>
+            <a:spLocks noGrp="1" noRot="1" noChangeAspect="1"/>
+          </p:cNvSpPr>
+          <p:nvPr>
+            <p:ph type="sldImg"/>
+          </p:nvPr>
+        </p:nvSpPr>
+        <p:spPr/>
+      </p:sp>
+      <p:sp>
+        <p:nvSpPr>
+          <p:cNvPr id="3" name="備忘稿版面配置區 2"/>
+          <p:cNvSpPr>
+            <a:spLocks noGrp="1"/>
+          </p:cNvSpPr>
+          <p:nvPr>
+            <p:ph type="body" idx="1"/>
+          </p:nvPr>
+        </p:nvSpPr>
+        <p:spPr/>
+        <p:txBody>
+          <a:bodyPr/>
+          <a:lstStyle/>
+          <a:p>
+            <a:endParaRPr lang="zh-TW" altLang="en-US"/>
+          </a:p>
+        </p:txBody>
+      </p:sp>
+    </p:spTree>
+    <p:extLst>
+      <p:ext uri="{BB962C8B-B14F-4D97-AF65-F5344CB8AC3E}">
+        <p14:creationId xmlns:p14="http://schemas.microsoft.com/office/powerpoint/2010/main" val="2603042252"/>
       </p:ext>
     </p:extLst>
   </p:cSld>
@@ -4841,7 +5488,7 @@
         </p:nvSpPr>
         <p:spPr>
           <a:xfrm>
-            <a:off x="1270000" y="3923010"/>
+            <a:off x="1270000" y="3492500"/>
             <a:ext cx="10464800" cy="1130301"/>
           </a:xfrm>
           <a:prstGeom prst="rect">
@@ -4853,12 +5500,42 @@
           <a:lstStyle/>
           <a:p>
             <a:r>
-              <a:t>Cheng Hsun Lee (chl468)</a:t>
-            </a:r>
-          </a:p>
-          <a:p>
-            <a:r>
-              <a:t>Yin Ta Lin(ytl473)</a:t>
+              <a:rPr dirty="0" smtClean="0"/>
+              <a:t>Cheng</a:t>
+            </a:r>
+            <a:r>
+              <a:rPr lang="en-US" dirty="0" smtClean="0"/>
+              <a:t>-</a:t>
+            </a:r>
+            <a:r>
+              <a:rPr dirty="0" err="1" smtClean="0"/>
+              <a:t>Hsun</a:t>
+            </a:r>
+            <a:r>
+              <a:rPr dirty="0" smtClean="0"/>
+              <a:t> </a:t>
+            </a:r>
+            <a:r>
+              <a:rPr dirty="0"/>
+              <a:t>Lee (chl468)</a:t>
+            </a:r>
+          </a:p>
+          <a:p>
+            <a:r>
+              <a:rPr dirty="0" smtClean="0"/>
+              <a:t>Yin</a:t>
+            </a:r>
+            <a:r>
+              <a:rPr lang="en-US" dirty="0" smtClean="0"/>
+              <a:t>-</a:t>
+            </a:r>
+            <a:r>
+              <a:rPr dirty="0" smtClean="0"/>
+              <a:t>Ta </a:t>
+            </a:r>
+            <a:r>
+              <a:rPr dirty="0"/>
+              <a:t>Lin(ytl473)</a:t>
             </a:r>
           </a:p>
         </p:txBody>
@@ -4872,7 +5549,7 @@
           <p:nvPr/>
         </p:nvPicPr>
         <p:blipFill>
-          <a:blip r:embed="rId2">
+          <a:blip r:embed="rId3">
             <a:extLst/>
           </a:blip>
           <a:stretch>
@@ -4934,7 +5611,7 @@
       </p:grpSpPr>
       <p:sp>
         <p:nvSpPr>
-          <p:cNvPr id="151" name="Shape 151"/>
+          <p:cNvPr id="186" name="Shape 186"/>
           <p:cNvSpPr>
             <a:spLocks noGrp="1"/>
           </p:cNvSpPr>
@@ -4943,105 +5620,69 @@
           </p:nvPr>
         </p:nvSpPr>
         <p:spPr>
-          <a:prstGeom prst="rect">
-            <a:avLst/>
-          </a:prstGeom>
-        </p:spPr>
-        <p:txBody>
-          <a:bodyPr/>
-          <a:lstStyle/>
-          <a:p>
-            <a:r>
-              <a:rPr dirty="0"/>
-              <a:t>Wah-wah effect</a:t>
-            </a:r>
-          </a:p>
-        </p:txBody>
-      </p:sp>
-      <p:sp>
-        <p:nvSpPr>
-          <p:cNvPr id="152" name="Shape 152"/>
-          <p:cNvSpPr>
-            <a:spLocks noGrp="1"/>
-          </p:cNvSpPr>
-          <p:nvPr>
-            <p:ph type="body" idx="1"/>
-          </p:nvPr>
-        </p:nvSpPr>
-        <p:spPr>
           <a:xfrm>
-            <a:off x="650240" y="2016196"/>
-            <a:ext cx="11704320" cy="5262881"/>
+            <a:off x="650239" y="390595"/>
+            <a:ext cx="11704322" cy="1625601"/>
           </a:xfrm>
           <a:prstGeom prst="rect">
             <a:avLst/>
           </a:prstGeom>
         </p:spPr>
         <p:txBody>
-          <a:bodyPr anchor="t"/>
+          <a:bodyPr/>
           <a:lstStyle/>
           <a:p>
             <a:r>
-              <a:rPr dirty="0" smtClean="0"/>
-              <a:t>Band-pass filter</a:t>
-            </a:r>
-            <a:endParaRPr lang="en-US" dirty="0" smtClean="0"/>
-          </a:p>
-          <a:p>
-            <a:r>
-              <a:rPr lang="en-US" dirty="0" smtClean="0"/>
-              <a:t>P</a:t>
-            </a:r>
-            <a:r>
-              <a:rPr dirty="0" smtClean="0"/>
-              <a:t>roduces </a:t>
-            </a:r>
-            <a:r>
-              <a:rPr dirty="0"/>
-              <a:t>a vowel like sound by altering the frequency spectrum of an instruments </a:t>
-            </a:r>
-            <a:r>
-              <a:rPr dirty="0" smtClean="0"/>
-              <a:t>signal.</a:t>
-            </a:r>
-            <a:endParaRPr lang="en-US" dirty="0" smtClean="0"/>
-          </a:p>
-          <a:p>
-            <a:r>
-              <a:rPr lang="en-US" dirty="0" smtClean="0"/>
-              <a:t>A</a:t>
-            </a:r>
-            <a:r>
-              <a:rPr dirty="0" smtClean="0"/>
-              <a:t> </a:t>
-            </a:r>
-            <a:r>
-              <a:rPr dirty="0"/>
-              <a:t>“gas pedal” type foot pedal is tilted a volume boost sweeps through the frequency range. </a:t>
-            </a:r>
-          </a:p>
-          <a:p>
-            <a:r>
-              <a:rPr dirty="0"/>
-              <a:t>In our </a:t>
-            </a:r>
-            <a:r>
-              <a:rPr dirty="0" smtClean="0"/>
-              <a:t>design, we sweep central frequency of the filter automatically like we tilt the pedal </a:t>
-            </a:r>
-            <a:r>
-              <a:rPr dirty="0"/>
-              <a:t>back and </a:t>
-            </a:r>
-            <a:r>
-              <a:rPr dirty="0" smtClean="0"/>
-              <a:t>forth</a:t>
-            </a:r>
-            <a:endParaRPr dirty="0"/>
+              <a:t>Wah-wah effect</a:t>
+            </a:r>
+          </a:p>
+        </p:txBody>
+      </p:sp>
+      <p:sp>
+        <p:nvSpPr>
+          <p:cNvPr id="187" name="Shape 187"/>
+          <p:cNvSpPr>
+            <a:spLocks noGrp="1"/>
+          </p:cNvSpPr>
+          <p:nvPr>
+            <p:ph type="body" idx="1"/>
+          </p:nvPr>
+        </p:nvSpPr>
+        <p:spPr>
+          <a:xfrm>
+            <a:off x="650239" y="2016195"/>
+            <a:ext cx="11704322" cy="5262883"/>
+          </a:xfrm>
+          <a:prstGeom prst="rect">
+            <a:avLst/>
+          </a:prstGeom>
+        </p:spPr>
+        <p:txBody>
+          <a:bodyPr/>
+          <a:lstStyle/>
+          <a:p>
+            <a:r>
+              <a:t>The Wah pedal is a time varying filter effect (Band-pass filter).</a:t>
+            </a:r>
+          </a:p>
+          <a:p>
+            <a:r>
+              <a:t>Produce a vowel like sound by altering the frequency spectrum of an instruments signal. </a:t>
+            </a:r>
+          </a:p>
+          <a:p>
+            <a:r>
+              <a:t>A foot pedal is tilted a volume boost sweeps through the frequency range. </a:t>
+            </a:r>
           </a:p>
         </p:txBody>
       </p:sp>
     </p:spTree>
+    <p:extLst>
+      <p:ext uri="{BB962C8B-B14F-4D97-AF65-F5344CB8AC3E}">
+        <p14:creationId xmlns:p14="http://schemas.microsoft.com/office/powerpoint/2010/main" val="3548971380"/>
+      </p:ext>
+    </p:extLst>
   </p:cSld>
   <p:clrMapOvr>
     <a:masterClrMapping/>
@@ -5076,7 +5717,7 @@
       </p:grpSpPr>
       <p:sp>
         <p:nvSpPr>
-          <p:cNvPr id="154" name="Shape 154"/>
+          <p:cNvPr id="191" name="Shape 191"/>
           <p:cNvSpPr>
             <a:spLocks noGrp="1"/>
           </p:cNvSpPr>
@@ -5085,60 +5726,77 @@
           </p:nvPr>
         </p:nvSpPr>
         <p:spPr>
-          <a:prstGeom prst="rect">
-            <a:avLst/>
-          </a:prstGeom>
-        </p:spPr>
-        <p:txBody>
-          <a:bodyPr/>
-          <a:lstStyle/>
-          <a:p>
-            <a:r>
-              <a:t>Implementation</a:t>
-            </a:r>
-          </a:p>
-        </p:txBody>
-      </p:sp>
-      <p:sp>
-        <p:nvSpPr>
-          <p:cNvPr id="155" name="Shape 155"/>
-          <p:cNvSpPr>
-            <a:spLocks noGrp="1"/>
-          </p:cNvSpPr>
-          <p:nvPr>
-            <p:ph type="body" idx="1"/>
-          </p:nvPr>
-        </p:nvSpPr>
-        <p:spPr>
           <a:xfrm>
-            <a:off x="952500" y="2284523"/>
-            <a:ext cx="11099800" cy="4622800"/>
+            <a:off x="650239" y="390595"/>
+            <a:ext cx="11704322" cy="1625601"/>
           </a:xfrm>
           <a:prstGeom prst="rect">
             <a:avLst/>
           </a:prstGeom>
         </p:spPr>
         <p:txBody>
-          <a:bodyPr anchor="t"/>
+          <a:bodyPr/>
           <a:lstStyle/>
           <a:p>
             <a:r>
+              <a:t>Implementation</a:t>
+            </a:r>
+          </a:p>
+        </p:txBody>
+      </p:sp>
+      <p:sp>
+        <p:nvSpPr>
+          <p:cNvPr id="192" name="Shape 192"/>
+          <p:cNvSpPr>
+            <a:spLocks noGrp="1"/>
+          </p:cNvSpPr>
+          <p:nvPr>
+            <p:ph type="body" idx="1"/>
+          </p:nvPr>
+        </p:nvSpPr>
+        <p:spPr>
+          <a:xfrm>
+            <a:off x="952500" y="2284522"/>
+            <a:ext cx="11099800" cy="4622801"/>
+          </a:xfrm>
+          <a:prstGeom prst="rect">
+            <a:avLst/>
+          </a:prstGeom>
+        </p:spPr>
+        <p:txBody>
+          <a:bodyPr/>
+          <a:lstStyle/>
+          <a:p>
+            <a:r>
               <a:rPr dirty="0"/>
-              <a:t>A bandpass filter with a time varying central (resonant) frequency and a small bandwidth. Filtered signal mixed with direct signal.</a:t>
-            </a:r>
+              <a:t>Sweep central frequency of the bandpass filter back and forth following a low-frequency oscillator (LFO) with an adjustable </a:t>
+            </a:r>
+            <a:r>
+              <a:rPr dirty="0" smtClean="0"/>
+              <a:t>frequency</a:t>
+            </a:r>
+            <a:r>
+              <a:rPr lang="en-US" dirty="0" smtClean="0"/>
+              <a:t>, called Auto-</a:t>
+            </a:r>
+            <a:r>
+              <a:rPr lang="en-US" dirty="0" err="1" smtClean="0"/>
+              <a:t>Wah</a:t>
+            </a:r>
+            <a:endParaRPr dirty="0"/>
           </a:p>
         </p:txBody>
       </p:sp>
       <p:pic>
         <p:nvPicPr>
-          <p:cNvPr id="156" name="Screen Shot 2015-12-09 at 5.07.35 PM.png"/>
+          <p:cNvPr id="193" name="image6.png"/>
           <p:cNvPicPr>
             <a:picLocks noChangeAspect="1"/>
           </p:cNvPicPr>
           <p:nvPr/>
         </p:nvPicPr>
         <p:blipFill>
-          <a:blip r:embed="rId2">
+          <a:blip r:embed="rId3">
             <a:extLst/>
           </a:blip>
           <a:stretch>
@@ -5147,8 +5805,8 @@
         </p:blipFill>
         <p:spPr>
           <a:xfrm>
-            <a:off x="1905000" y="5500985"/>
-            <a:ext cx="9194800" cy="2400301"/>
+            <a:off x="1905000" y="5894685"/>
+            <a:ext cx="9194800" cy="2400302"/>
           </a:xfrm>
           <a:prstGeom prst="rect">
             <a:avLst/>
@@ -5159,6 +5817,11 @@
         </p:spPr>
       </p:pic>
     </p:spTree>
+    <p:extLst>
+      <p:ext uri="{BB962C8B-B14F-4D97-AF65-F5344CB8AC3E}">
+        <p14:creationId xmlns:p14="http://schemas.microsoft.com/office/powerpoint/2010/main" val="399344377"/>
+      </p:ext>
+    </p:extLst>
   </p:cSld>
   <p:clrMapOvr>
     <a:masterClrMapping/>
@@ -5193,7 +5856,7 @@
       </p:grpSpPr>
       <p:sp>
         <p:nvSpPr>
-          <p:cNvPr id="158" name="Shape 158"/>
+          <p:cNvPr id="195" name="Shape 195"/>
           <p:cNvSpPr>
             <a:spLocks noGrp="1"/>
           </p:cNvSpPr>
@@ -5202,6 +5865,10 @@
           </p:nvPr>
         </p:nvSpPr>
         <p:spPr>
+          <a:xfrm>
+            <a:off x="650239" y="390595"/>
+            <a:ext cx="11704322" cy="1625601"/>
+          </a:xfrm>
           <a:prstGeom prst="rect">
             <a:avLst/>
           </a:prstGeom>
@@ -5211,7 +5878,6 @@
           <a:lstStyle/>
           <a:p>
             <a:r>
-              <a:rPr dirty="0"/>
               <a:t>Interface design</a:t>
             </a:r>
           </a:p>
@@ -5219,7 +5885,7 @@
       </p:sp>
       <p:sp>
         <p:nvSpPr>
-          <p:cNvPr id="159" name="Shape 159"/>
+          <p:cNvPr id="196" name="Shape 196"/>
           <p:cNvSpPr>
             <a:spLocks noGrp="1"/>
           </p:cNvSpPr>
@@ -5228,6 +5894,10 @@
           </p:nvPr>
         </p:nvSpPr>
         <p:spPr>
+          <a:xfrm>
+            <a:off x="650239" y="2275840"/>
+            <a:ext cx="11704322" cy="5262883"/>
+          </a:xfrm>
           <a:prstGeom prst="rect">
             <a:avLst/>
           </a:prstGeom>
@@ -5237,41 +5907,42 @@
           <a:lstStyle/>
           <a:p>
             <a:r>
-              <a:rPr lang="en-US" dirty="0" err="1" smtClean="0"/>
+              <a:rPr dirty="0" err="1"/>
               <a:t>Tkinter</a:t>
             </a:r>
             <a:r>
-              <a:rPr lang="en-US" dirty="0" smtClean="0"/>
+              <a:rPr dirty="0"/>
               <a:t> 8.5 on python 2.7</a:t>
             </a:r>
           </a:p>
           <a:p>
             <a:r>
-              <a:rPr lang="en-US" altLang="zh-TW" dirty="0" smtClean="0"/>
+              <a:rPr dirty="0"/>
               <a:t>To work on Mac OS X, install “</a:t>
             </a:r>
             <a:r>
-              <a:rPr lang="en-US" altLang="zh-TW" dirty="0" err="1" smtClean="0"/>
+              <a:rPr dirty="0" err="1"/>
               <a:t>ActiveTcl</a:t>
             </a:r>
             <a:r>
-              <a:rPr lang="en-US" altLang="zh-TW" dirty="0" smtClean="0"/>
+              <a:rPr dirty="0"/>
               <a:t>”</a:t>
             </a:r>
-            <a:endParaRPr dirty="0"/>
           </a:p>
         </p:txBody>
       </p:sp>
       <p:pic>
         <p:nvPicPr>
-          <p:cNvPr id="2" name="圖片 1"/>
+          <p:cNvPr id="197" name="image7.png"/>
           <p:cNvPicPr>
             <a:picLocks noChangeAspect="1"/>
           </p:cNvPicPr>
           <p:nvPr/>
         </p:nvPicPr>
         <p:blipFill>
-          <a:blip r:embed="rId2"/>
+          <a:blip r:embed="rId3">
+            <a:extLst/>
+          </a:blip>
           <a:stretch>
             <a:fillRect/>
           </a:stretch>
@@ -5279,14 +5950,22 @@
         <p:spPr>
           <a:xfrm>
             <a:off x="2139950" y="4047240"/>
-            <a:ext cx="8724900" cy="4933950"/>
+            <a:ext cx="8724900" cy="4933951"/>
           </a:xfrm>
           <a:prstGeom prst="rect">
             <a:avLst/>
           </a:prstGeom>
+          <a:ln w="12700">
+            <a:miter lim="400000"/>
+          </a:ln>
         </p:spPr>
       </p:pic>
     </p:spTree>
+    <p:extLst>
+      <p:ext uri="{BB962C8B-B14F-4D97-AF65-F5344CB8AC3E}">
+        <p14:creationId xmlns:p14="http://schemas.microsoft.com/office/powerpoint/2010/main" val="130550712"/>
+      </p:ext>
+    </p:extLst>
   </p:cSld>
   <p:clrMapOvr>
     <a:masterClrMapping/>
@@ -5321,7 +6000,7 @@
       </p:grpSpPr>
       <p:sp>
         <p:nvSpPr>
-          <p:cNvPr id="161" name="Shape 161"/>
+          <p:cNvPr id="199" name="Shape 199"/>
           <p:cNvSpPr>
             <a:spLocks noGrp="1"/>
           </p:cNvSpPr>
@@ -5330,6 +6009,10 @@
           </p:nvPr>
         </p:nvSpPr>
         <p:spPr>
+          <a:xfrm>
+            <a:off x="650239" y="390595"/>
+            <a:ext cx="11704322" cy="1625601"/>
+          </a:xfrm>
           <a:prstGeom prst="rect">
             <a:avLst/>
           </a:prstGeom>
@@ -5346,7 +6029,7 @@
       </p:sp>
       <p:sp>
         <p:nvSpPr>
-          <p:cNvPr id="162" name="Shape 162"/>
+          <p:cNvPr id="200" name="Shape 200"/>
           <p:cNvSpPr>
             <a:spLocks noGrp="1"/>
           </p:cNvSpPr>
@@ -5355,6 +6038,10 @@
           </p:nvPr>
         </p:nvSpPr>
         <p:spPr>
+          <a:xfrm>
+            <a:off x="650239" y="2275840"/>
+            <a:ext cx="11704322" cy="5262883"/>
+          </a:xfrm>
           <a:prstGeom prst="rect">
             <a:avLst/>
           </a:prstGeom>
@@ -5363,22 +6050,37 @@
           <a:bodyPr/>
           <a:lstStyle/>
           <a:p>
-            <a:r>
-              <a:rPr u="sng" dirty="0">
-                <a:hlinkClick r:id="rId2"/>
+            <a:pPr>
+              <a:defRPr u="sng"/>
+            </a:pPr>
+            <a:r>
+              <a:rPr>
+                <a:solidFill>
+                  <a:srgbClr val="CC66FF"/>
+                </a:solidFill>
+                <a:uFill>
+                  <a:solidFill>
+                    <a:srgbClr val="CC66FF"/>
+                  </a:solidFill>
+                </a:uFill>
+                <a:hlinkClick r:id="rId3"/>
               </a:rPr>
               <a:t>http://www.cs.cf.ac.uk/Dave/CM0268/PDF/10_CM0268_Audio_FX.pdf</a:t>
             </a:r>
           </a:p>
           <a:p>
             <a:r>
-              <a:rPr dirty="0"/>
               <a:t>Text Book: Audio Effects Theory, Implementation and Application by Joshua D. Reiss and Andrew P. McPherson</a:t>
             </a:r>
           </a:p>
         </p:txBody>
       </p:sp>
     </p:spTree>
+    <p:extLst>
+      <p:ext uri="{BB962C8B-B14F-4D97-AF65-F5344CB8AC3E}">
+        <p14:creationId xmlns:p14="http://schemas.microsoft.com/office/powerpoint/2010/main" val="1700902980"/>
+      </p:ext>
+    </p:extLst>
   </p:cSld>
   <p:clrMapOvr>
     <a:masterClrMapping/>
@@ -5464,15 +6166,7 @@
               <a:t>An Effects unit (effect </a:t>
             </a:r>
             <a:r>
-              <a:rPr sz="4000" dirty="0" err="1" smtClean="0"/>
-              <a:t>box,stomp</a:t>
-            </a:r>
-            <a:r>
               <a:rPr sz="4000" dirty="0" smtClean="0"/>
-              <a:t> </a:t>
-            </a:r>
-            <a:r>
-              <a:rPr sz="4000" dirty="0"/>
               <a:t>box, </a:t>
             </a:r>
             <a:r>
@@ -5651,8 +6345,8 @@
               <a:t>, </a:t>
             </a:r>
             <a:r>
-              <a:rPr sz="4000" dirty="0" err="1" smtClean="0"/>
-              <a:t>Highp</a:t>
+              <a:rPr sz="4000" dirty="0" smtClean="0"/>
+              <a:t>High</a:t>
             </a:r>
             <a:r>
               <a:rPr lang="en-US" sz="4000" dirty="0" smtClean="0"/>
@@ -5660,23 +6354,19 @@
             </a:r>
             <a:r>
               <a:rPr sz="4000" dirty="0" smtClean="0"/>
-              <a:t>ass </a:t>
-            </a:r>
-            <a:r>
-              <a:rPr sz="4000" dirty="0"/>
-              <a:t>filter </a:t>
-            </a:r>
-            <a:r>
-              <a:rPr sz="4000" dirty="0" smtClean="0"/>
+              <a:t>pass filter, Equalizer</a:t>
+            </a:r>
+            <a:r>
+              <a:rPr lang="en-US" sz="4000" dirty="0" smtClean="0"/>
+              <a:t>, </a:t>
+            </a:r>
+            <a:r>
+              <a:rPr lang="en-US" altLang="zh-TW" sz="4000" dirty="0" smtClean="0"/>
               <a:t>etc</a:t>
             </a:r>
             <a:r>
-              <a:rPr lang="en-US" sz="4000" dirty="0" smtClean="0"/>
+              <a:rPr lang="en-US" altLang="zh-TW" sz="4000" dirty="0"/>
               <a:t>.</a:t>
-            </a:r>
-            <a:r>
-              <a:rPr sz="4000" dirty="0" smtClean="0"/>
-              <a:t>, Equalizer</a:t>
             </a:r>
             <a:endParaRPr sz="4000" dirty="0"/>
           </a:p>
@@ -5695,7 +6385,10 @@
               <a:t>Time Varying Filters — </a:t>
             </a:r>
             <a:r>
-              <a:rPr sz="4000" b="1" dirty="0">
+              <a:rPr sz="4000" b="1" i="1" dirty="0">
+                <a:solidFill>
+                  <a:schemeClr val="bg1"/>
+                </a:solidFill>
                 <a:latin typeface="Helvetica"/>
                 <a:ea typeface="Helvetica"/>
                 <a:cs typeface="Helvetica"/>
@@ -5732,7 +6425,10 @@
               <a:t>Delays — Vibrato, </a:t>
             </a:r>
             <a:r>
-              <a:rPr sz="4000" b="1" dirty="0" err="1">
+              <a:rPr sz="4000" b="1" i="1" dirty="0" err="1">
+                <a:solidFill>
+                  <a:schemeClr val="bg1"/>
+                </a:solidFill>
                 <a:latin typeface="Helvetica"/>
                 <a:ea typeface="Helvetica"/>
                 <a:cs typeface="Helvetica"/>
@@ -5745,7 +6441,10 @@
               <a:t>, Chorus, </a:t>
             </a:r>
             <a:r>
-              <a:rPr sz="4000" b="1" dirty="0">
+              <a:rPr sz="4000" b="1" i="1" dirty="0">
+                <a:solidFill>
+                  <a:schemeClr val="bg1"/>
+                </a:solidFill>
                 <a:latin typeface="Helvetica"/>
                 <a:ea typeface="Helvetica"/>
                 <a:cs typeface="Helvetica"/>
@@ -5784,7 +6483,10 @@
               <a:t>Non-linear Processing — Compression, Limiters, </a:t>
             </a:r>
             <a:r>
-              <a:rPr sz="4000" b="1" dirty="0">
+              <a:rPr sz="4000" b="1" i="1" dirty="0">
+                <a:solidFill>
+                  <a:schemeClr val="bg1"/>
+                </a:solidFill>
                 <a:latin typeface="Helvetica"/>
                 <a:ea typeface="Helvetica"/>
                 <a:cs typeface="Helvetica"/>
@@ -5830,7 +6532,23 @@
             </a:r>
             <a:r>
               <a:rPr sz="4000" dirty="0"/>
-              <a:t>Effects — Panning, Reverb, Surround Sound</a:t>
+              <a:t>Effects — Panning, </a:t>
+            </a:r>
+            <a:r>
+              <a:rPr sz="4000" dirty="0" smtClean="0"/>
+              <a:t>Reverb</a:t>
+            </a:r>
+            <a:r>
+              <a:rPr lang="en-US" sz="4000" dirty="0" smtClean="0"/>
+              <a:t>eration</a:t>
+            </a:r>
+            <a:r>
+              <a:rPr sz="4000" dirty="0" smtClean="0"/>
+              <a:t>, </a:t>
+            </a:r>
+            <a:r>
+              <a:rPr sz="4000" dirty="0"/>
+              <a:t>Surround Sound</a:t>
             </a:r>
           </a:p>
         </p:txBody>
@@ -5951,6 +6669,29 @@
           </a:p>
         </p:txBody>
       </p:sp>
+      <p:pic>
+        <p:nvPicPr>
+          <p:cNvPr id="3" name="圖片 2"/>
+          <p:cNvPicPr>
+            <a:picLocks noChangeAspect="1"/>
+          </p:cNvPicPr>
+          <p:nvPr/>
+        </p:nvPicPr>
+        <p:blipFill rotWithShape="1">
+          <a:blip r:embed="rId3"/>
+          <a:srcRect l="31731" t="41765" r="27900" b="28294"/>
+          <a:stretch/>
+        </p:blipFill>
+        <p:spPr>
+          <a:xfrm>
+            <a:off x="2955852" y="5401340"/>
+            <a:ext cx="7241286" cy="3019646"/>
+          </a:xfrm>
+          <a:prstGeom prst="rect">
+            <a:avLst/>
+          </a:prstGeom>
+        </p:spPr>
+      </p:pic>
     </p:spTree>
   </p:cSld>
   <p:clrMapOvr>
@@ -6042,9 +6783,37 @@
               <a:rPr lang="en-US" dirty="0" smtClean="0">
                 <a:sym typeface="Wingdings" panose="05000000000000000000" pitchFamily="2" charset="2"/>
               </a:rPr>
-              <a:t> index for the circular buffer</a:t>
-            </a:r>
-            <a:endParaRPr dirty="0"/>
+              <a:t> index for the circular </a:t>
+            </a:r>
+            <a:r>
+              <a:rPr lang="en-US" dirty="0" smtClean="0">
+                <a:sym typeface="Wingdings" panose="05000000000000000000" pitchFamily="2" charset="2"/>
+              </a:rPr>
+              <a:t>buffer</a:t>
+            </a:r>
+          </a:p>
+          <a:p>
+            <a:r>
+              <a:rPr lang="en-US" dirty="0" smtClean="0">
+                <a:sym typeface="Wingdings" panose="05000000000000000000" pitchFamily="2" charset="2"/>
+              </a:rPr>
+              <a:t>Feed delay back to direct path</a:t>
+            </a:r>
+            <a:r>
+              <a:rPr lang="en-US" dirty="0">
+                <a:sym typeface="Wingdings" panose="05000000000000000000" pitchFamily="2" charset="2"/>
+              </a:rPr>
+              <a:t> </a:t>
+            </a:r>
+            <a:r>
+              <a:rPr lang="en-US" dirty="0" smtClean="0">
+                <a:sym typeface="Wingdings" panose="05000000000000000000" pitchFamily="2" charset="2"/>
+              </a:rPr>
+              <a:t> Echo</a:t>
+            </a:r>
+            <a:endParaRPr lang="en-US" dirty="0" smtClean="0">
+              <a:sym typeface="Wingdings" panose="05000000000000000000" pitchFamily="2" charset="2"/>
+            </a:endParaRPr>
           </a:p>
         </p:txBody>
       </p:sp>
@@ -6133,7 +6902,6 @@
               <a:rPr lang="en-US" dirty="0" smtClean="0"/>
               <a:t> f</a:t>
             </a:r>
-            <a:endParaRPr lang="en-US" dirty="0" smtClean="0"/>
           </a:p>
           <a:p>
             <a:r>
@@ -6155,7 +6923,7 @@
           <p:nvPr/>
         </p:nvPicPr>
         <p:blipFill rotWithShape="1">
-          <a:blip r:embed="rId2"/>
+          <a:blip r:embed="rId3"/>
           <a:srcRect l="5899" t="17587" r="5340" b="4796"/>
           <a:stretch/>
         </p:blipFill>
@@ -6288,6 +7056,29 @@
           </a:p>
         </p:txBody>
       </p:sp>
+      <p:pic>
+        <p:nvPicPr>
+          <p:cNvPr id="3" name="圖片 2"/>
+          <p:cNvPicPr>
+            <a:picLocks noChangeAspect="1"/>
+          </p:cNvPicPr>
+          <p:nvPr/>
+        </p:nvPicPr>
+        <p:blipFill rotWithShape="1">
+          <a:blip r:embed="rId3"/>
+          <a:srcRect l="30587" t="43799" r="27573" b="32074"/>
+          <a:stretch/>
+        </p:blipFill>
+        <p:spPr>
+          <a:xfrm>
+            <a:off x="3780465" y="4907281"/>
+            <a:ext cx="5443870" cy="1765005"/>
+          </a:xfrm>
+          <a:prstGeom prst="rect">
+            <a:avLst/>
+          </a:prstGeom>
+        </p:spPr>
+      </p:pic>
     </p:spTree>
   </p:cSld>
   <p:clrMapOvr>
@@ -6323,7 +7114,7 @@
       </p:grpSpPr>
       <p:sp>
         <p:nvSpPr>
-          <p:cNvPr id="144" name="Shape 144"/>
+          <p:cNvPr id="177" name="Shape 177"/>
           <p:cNvSpPr>
             <a:spLocks noGrp="1"/>
           </p:cNvSpPr>
@@ -6332,6 +7123,10 @@
           </p:nvPr>
         </p:nvSpPr>
         <p:spPr>
+          <a:xfrm>
+            <a:off x="650239" y="390595"/>
+            <a:ext cx="11704322" cy="1625601"/>
+          </a:xfrm>
           <a:prstGeom prst="rect">
             <a:avLst/>
           </a:prstGeom>
@@ -6341,14 +7136,14 @@
           <a:lstStyle/>
           <a:p>
             <a:r>
-              <a:t>Distortion (Fuzz)</a:t>
-            </a:r>
-          </a:p>
-        </p:txBody>
-      </p:sp>
-      <p:sp>
-        <p:nvSpPr>
-          <p:cNvPr id="145" name="Shape 145"/>
+              <a:t>Fuzz</a:t>
+            </a:r>
+          </a:p>
+        </p:txBody>
+      </p:sp>
+      <p:sp>
+        <p:nvSpPr>
+          <p:cNvPr id="178" name="Shape 178"/>
           <p:cNvSpPr>
             <a:spLocks noGrp="1"/>
           </p:cNvSpPr>
@@ -6357,56 +7152,52 @@
           </p:nvPr>
         </p:nvSpPr>
         <p:spPr>
+          <a:xfrm>
+            <a:off x="650239" y="2275840"/>
+            <a:ext cx="11704322" cy="5262883"/>
+          </a:xfrm>
           <a:prstGeom prst="rect">
             <a:avLst/>
           </a:prstGeom>
         </p:spPr>
         <p:txBody>
-          <a:bodyPr anchor="t"/>
+          <a:bodyPr/>
           <a:lstStyle/>
           <a:p>
-            <a:r>
-              <a:rPr lang="en-US" dirty="0" smtClean="0"/>
-              <a:t>C</a:t>
-            </a:r>
-            <a:r>
-              <a:rPr dirty="0" smtClean="0"/>
-              <a:t>lipping </a:t>
-            </a:r>
+            <a:pPr marL="458411" indent="-458411" defTabSz="859536">
+              <a:defRPr sz="4230"/>
+            </a:pPr>
             <a:r>
               <a:rPr dirty="0"/>
-              <a:t>the guitar’s audio signal and adding overtones. </a:t>
-            </a:r>
-            <a:endParaRPr lang="en-US" dirty="0" smtClean="0"/>
-          </a:p>
-          <a:p>
-            <a:r>
-              <a:rPr dirty="0" smtClean="0"/>
-              <a:t>Distortion </a:t>
-            </a:r>
+              <a:t>Fuzz pedals create a warm, gritty sound by clipping the guitar’s audio signal and adding overtones.</a:t>
+            </a:r>
+          </a:p>
+          <a:p>
+            <a:pPr marL="458411" indent="-458411" defTabSz="859536">
+              <a:defRPr sz="4230"/>
+            </a:pPr>
             <a:r>
               <a:rPr dirty="0"/>
-              <a:t>and fuzz effects produce the same amount of distortion at any volume </a:t>
-            </a:r>
-            <a:endParaRPr lang="en-US" dirty="0" smtClean="0"/>
-          </a:p>
-          <a:p>
-            <a:r>
-              <a:rPr lang="en-US" dirty="0" smtClean="0"/>
-              <a:t>O</a:t>
-            </a:r>
-            <a:r>
-              <a:rPr dirty="0" smtClean="0"/>
-              <a:t>verdrive </a:t>
-            </a:r>
+              <a:t>Plays an important part in electric guitar music, especially rock music and its variants.</a:t>
+            </a:r>
+          </a:p>
+          <a:p>
+            <a:pPr marL="458411" indent="-458411" defTabSz="859536">
+              <a:defRPr sz="4230"/>
+            </a:pPr>
             <a:r>
               <a:rPr dirty="0"/>
-              <a:t>and gain effects are produce “clean” sounds at quieter volumes and distorted sounds at louder volumes mimicking the effect of a tube amp.</a:t>
+              <a:t>Fuzz is a completely nonlinear effect that creates drastic changes to the input waveform, resulting in a harder or harsher sound.</a:t>
             </a:r>
           </a:p>
         </p:txBody>
       </p:sp>
     </p:spTree>
+    <p:extLst>
+      <p:ext uri="{BB962C8B-B14F-4D97-AF65-F5344CB8AC3E}">
+        <p14:creationId xmlns:p14="http://schemas.microsoft.com/office/powerpoint/2010/main" val="1689611839"/>
+      </p:ext>
+    </p:extLst>
   </p:cSld>
   <p:clrMapOvr>
     <a:masterClrMapping/>
@@ -6441,7 +7232,7 @@
       </p:grpSpPr>
       <p:sp>
         <p:nvSpPr>
-          <p:cNvPr id="147" name="Shape 147"/>
+          <p:cNvPr id="182" name="Shape 182"/>
           <p:cNvSpPr>
             <a:spLocks noGrp="1"/>
           </p:cNvSpPr>
@@ -6450,6 +7241,10 @@
           </p:nvPr>
         </p:nvSpPr>
         <p:spPr>
+          <a:xfrm>
+            <a:off x="650239" y="390595"/>
+            <a:ext cx="11704322" cy="1625601"/>
+          </a:xfrm>
           <a:prstGeom prst="rect">
             <a:avLst/>
           </a:prstGeom>
@@ -6466,7 +7261,7 @@
       </p:sp>
       <p:sp>
         <p:nvSpPr>
-          <p:cNvPr id="148" name="Shape 148"/>
+          <p:cNvPr id="183" name="Shape 183"/>
           <p:cNvSpPr>
             <a:spLocks noGrp="1"/>
           </p:cNvSpPr>
@@ -6475,6 +7270,10 @@
           </p:nvPr>
         </p:nvSpPr>
         <p:spPr>
+          <a:xfrm>
+            <a:off x="650239" y="2275840"/>
+            <a:ext cx="11704322" cy="5262883"/>
+          </a:xfrm>
           <a:prstGeom prst="rect">
             <a:avLst/>
           </a:prstGeom>
@@ -6483,47 +7282,79 @@
           <a:bodyPr/>
           <a:lstStyle/>
           <a:p>
-            <a:r>
-              <a:rPr dirty="0"/>
-              <a:t>A non-linear function commonly used to simulate distortion/fuzz is given by:</a:t>
-            </a:r>
-          </a:p>
-          <a:p>
-            <a:endParaRPr lang="en-US" dirty="0" smtClean="0"/>
-          </a:p>
-          <a:p>
-            <a:endParaRPr dirty="0"/>
-          </a:p>
-          <a:p>
-            <a:r>
-              <a:rPr dirty="0"/>
+            <a:pPr marL="434028" indent="-434028" defTabSz="813816">
+              <a:spcBef>
+                <a:spcPts val="900"/>
+              </a:spcBef>
+              <a:defRPr sz="4005"/>
+            </a:pPr>
+            <a:r>
+              <a:t>A non-linear function commonly used to simulate fuzz is given by:</a:t>
+            </a:r>
+          </a:p>
+          <a:p>
+            <a:pPr marL="434028" indent="-434028" defTabSz="813816">
+              <a:spcBef>
+                <a:spcPts val="900"/>
+              </a:spcBef>
+              <a:defRPr sz="4005"/>
+            </a:pPr>
+            <a:endParaRPr/>
+          </a:p>
+          <a:p>
+            <a:pPr marL="434028" indent="-434028" defTabSz="813816">
+              <a:spcBef>
+                <a:spcPts val="900"/>
+              </a:spcBef>
+              <a:defRPr sz="4005"/>
+            </a:pPr>
+            <a:endParaRPr/>
+          </a:p>
+          <a:p>
+            <a:pPr marL="434028" indent="-434028" defTabSz="813816">
+              <a:spcBef>
+                <a:spcPts val="900"/>
+              </a:spcBef>
+              <a:defRPr sz="4005"/>
+            </a:pPr>
+            <a:r>
               <a:t>This a non-linear exponential function</a:t>
             </a:r>
           </a:p>
           <a:p>
-            <a:r>
-              <a:rPr dirty="0"/>
-              <a:t>The gain a, controls level of distortion/fuzz.</a:t>
-            </a:r>
-          </a:p>
-          <a:p>
-            <a:r>
-              <a:rPr dirty="0"/>
-              <a:t>Common to mix part of the distorted signal with   original signal for output.</a:t>
+            <a:pPr marL="434028" indent="-434028" defTabSz="813816">
+              <a:spcBef>
+                <a:spcPts val="900"/>
+              </a:spcBef>
+              <a:defRPr sz="4005"/>
+            </a:pPr>
+            <a:r>
+              <a:t>The gain a, controls level of fuzz.</a:t>
+            </a:r>
+          </a:p>
+          <a:p>
+            <a:pPr marL="434028" indent="-434028" defTabSz="813816">
+              <a:spcBef>
+                <a:spcPts val="900"/>
+              </a:spcBef>
+              <a:defRPr sz="4005"/>
+            </a:pPr>
+            <a:r>
+              <a:t>Have a mix part of the distorted signal with   original signal for output.</a:t>
             </a:r>
           </a:p>
         </p:txBody>
       </p:sp>
       <p:pic>
         <p:nvPicPr>
-          <p:cNvPr id="149" name="Screen Shot 2015-12-09 at 5.13.11 PM.png"/>
+          <p:cNvPr id="184" name="image5.png"/>
           <p:cNvPicPr>
             <a:picLocks noChangeAspect="1"/>
           </p:cNvPicPr>
           <p:nvPr/>
         </p:nvPicPr>
         <p:blipFill>
-          <a:blip r:embed="rId2">
+          <a:blip r:embed="rId3">
             <a:extLst/>
           </a:blip>
           <a:stretch>
@@ -6532,8 +7363,8 @@
         </p:blipFill>
         <p:spPr>
           <a:xfrm>
-            <a:off x="4679949" y="4074692"/>
-            <a:ext cx="3644901" cy="1130301"/>
+            <a:off x="4679948" y="3782591"/>
+            <a:ext cx="3644902" cy="1130302"/>
           </a:xfrm>
           <a:prstGeom prst="rect">
             <a:avLst/>
@@ -6544,6 +7375,11 @@
         </p:spPr>
       </p:pic>
     </p:spTree>
+    <p:extLst>
+      <p:ext uri="{BB962C8B-B14F-4D97-AF65-F5344CB8AC3E}">
+        <p14:creationId xmlns:p14="http://schemas.microsoft.com/office/powerpoint/2010/main" val="3262335717"/>
+      </p:ext>
+    </p:extLst>
   </p:cSld>
   <p:clrMapOvr>
     <a:masterClrMapping/>
